--- a/FACE DETECTION.pptx
+++ b/FACE DETECTION.pptx
@@ -13,6 +13,7 @@
     <p:sldId id="261" r:id="rId7"/>
     <p:sldId id="262" r:id="rId8"/>
     <p:sldId id="263" r:id="rId9"/>
+    <p:sldId id="264" r:id="rId10"/>
   </p:sldIdLst>
   <p:sldSz cx="12192000" cy="6858000"/>
   <p:notesSz cx="6858000" cy="9144000"/>
@@ -10535,7 +10536,7 @@
           <a:p>
             <a:fld id="{97DB6891-EA8E-4D81-973C-8A14AD3AB34D}" type="datetimeFigureOut">
               <a:rPr lang="en-IN" smtClean="0"/>
-              <a:t>07-02-2020</a:t>
+              <a:t>08-02-2020</a:t>
             </a:fld>
             <a:endParaRPr lang="en-IN"/>
           </a:p>
@@ -10735,7 +10736,7 @@
           <a:p>
             <a:fld id="{97DB6891-EA8E-4D81-973C-8A14AD3AB34D}" type="datetimeFigureOut">
               <a:rPr lang="en-IN" smtClean="0"/>
-              <a:t>07-02-2020</a:t>
+              <a:t>08-02-2020</a:t>
             </a:fld>
             <a:endParaRPr lang="en-IN"/>
           </a:p>
@@ -10945,7 +10946,7 @@
           <a:p>
             <a:fld id="{97DB6891-EA8E-4D81-973C-8A14AD3AB34D}" type="datetimeFigureOut">
               <a:rPr lang="en-IN" smtClean="0"/>
-              <a:t>07-02-2020</a:t>
+              <a:t>08-02-2020</a:t>
             </a:fld>
             <a:endParaRPr lang="en-IN"/>
           </a:p>
@@ -11145,7 +11146,7 @@
           <a:p>
             <a:fld id="{97DB6891-EA8E-4D81-973C-8A14AD3AB34D}" type="datetimeFigureOut">
               <a:rPr lang="en-IN" smtClean="0"/>
-              <a:t>07-02-2020</a:t>
+              <a:t>08-02-2020</a:t>
             </a:fld>
             <a:endParaRPr lang="en-IN"/>
           </a:p>
@@ -11421,7 +11422,7 @@
           <a:p>
             <a:fld id="{97DB6891-EA8E-4D81-973C-8A14AD3AB34D}" type="datetimeFigureOut">
               <a:rPr lang="en-IN" smtClean="0"/>
-              <a:t>07-02-2020</a:t>
+              <a:t>08-02-2020</a:t>
             </a:fld>
             <a:endParaRPr lang="en-IN"/>
           </a:p>
@@ -11689,7 +11690,7 @@
           <a:p>
             <a:fld id="{97DB6891-EA8E-4D81-973C-8A14AD3AB34D}" type="datetimeFigureOut">
               <a:rPr lang="en-IN" smtClean="0"/>
-              <a:t>07-02-2020</a:t>
+              <a:t>08-02-2020</a:t>
             </a:fld>
             <a:endParaRPr lang="en-IN"/>
           </a:p>
@@ -12104,7 +12105,7 @@
           <a:p>
             <a:fld id="{97DB6891-EA8E-4D81-973C-8A14AD3AB34D}" type="datetimeFigureOut">
               <a:rPr lang="en-IN" smtClean="0"/>
-              <a:t>07-02-2020</a:t>
+              <a:t>08-02-2020</a:t>
             </a:fld>
             <a:endParaRPr lang="en-IN"/>
           </a:p>
@@ -12246,7 +12247,7 @@
           <a:p>
             <a:fld id="{97DB6891-EA8E-4D81-973C-8A14AD3AB34D}" type="datetimeFigureOut">
               <a:rPr lang="en-IN" smtClean="0"/>
-              <a:t>07-02-2020</a:t>
+              <a:t>08-02-2020</a:t>
             </a:fld>
             <a:endParaRPr lang="en-IN"/>
           </a:p>
@@ -12359,7 +12360,7 @@
           <a:p>
             <a:fld id="{97DB6891-EA8E-4D81-973C-8A14AD3AB34D}" type="datetimeFigureOut">
               <a:rPr lang="en-IN" smtClean="0"/>
-              <a:t>07-02-2020</a:t>
+              <a:t>08-02-2020</a:t>
             </a:fld>
             <a:endParaRPr lang="en-IN"/>
           </a:p>
@@ -12672,7 +12673,7 @@
           <a:p>
             <a:fld id="{97DB6891-EA8E-4D81-973C-8A14AD3AB34D}" type="datetimeFigureOut">
               <a:rPr lang="en-IN" smtClean="0"/>
-              <a:t>07-02-2020</a:t>
+              <a:t>08-02-2020</a:t>
             </a:fld>
             <a:endParaRPr lang="en-IN"/>
           </a:p>
@@ -12961,7 +12962,7 @@
           <a:p>
             <a:fld id="{97DB6891-EA8E-4D81-973C-8A14AD3AB34D}" type="datetimeFigureOut">
               <a:rPr lang="en-IN" smtClean="0"/>
-              <a:t>07-02-2020</a:t>
+              <a:t>08-02-2020</a:t>
             </a:fld>
             <a:endParaRPr lang="en-IN"/>
           </a:p>
@@ -13204,7 +13205,7 @@
           <a:p>
             <a:fld id="{97DB6891-EA8E-4D81-973C-8A14AD3AB34D}" type="datetimeFigureOut">
               <a:rPr lang="en-IN" smtClean="0"/>
-              <a:t>07-02-2020</a:t>
+              <a:t>08-02-2020</a:t>
             </a:fld>
             <a:endParaRPr lang="en-IN"/>
           </a:p>
@@ -16337,6 +16338,367 @@
 </p:sld>
 </file>
 
+<file path=ppt/slides/slide9.xml><?xml version="1.0" encoding="utf-8"?>
+<p:sld xmlns:a="http://schemas.openxmlformats.org/drawingml/2006/main" xmlns:r="http://schemas.openxmlformats.org/officeDocument/2006/relationships" xmlns:p="http://schemas.openxmlformats.org/presentationml/2006/main">
+  <p:cSld>
+    <p:bg>
+      <p:bgPr>
+        <a:solidFill>
+          <a:schemeClr val="bg1"/>
+        </a:solidFill>
+        <a:effectLst/>
+      </p:bgPr>
+    </p:bg>
+    <p:spTree>
+      <p:nvGrpSpPr>
+        <p:cNvPr id="1" name=""/>
+        <p:cNvGrpSpPr/>
+        <p:nvPr/>
+      </p:nvGrpSpPr>
+      <p:grpSpPr>
+        <a:xfrm>
+          <a:off x="0" y="0"/>
+          <a:ext cx="0" cy="0"/>
+          <a:chOff x="0" y="0"/>
+          <a:chExt cx="0" cy="0"/>
+        </a:xfrm>
+      </p:grpSpPr>
+      <p:sp>
+        <p:nvSpPr>
+          <p:cNvPr id="17" name="Rectangle 16">
+            <a:extLst>
+              <a:ext uri="{FF2B5EF4-FFF2-40B4-BE49-F238E27FC236}">
+                <a16:creationId xmlns:a16="http://schemas.microsoft.com/office/drawing/2014/main" id="{4351DFE5-F63D-4BE0-BDA9-E3EB88F01AA5}"/>
+              </a:ext>
+              <a:ext uri="{C183D7F6-B498-43B3-948B-1728B52AA6E4}">
+                <adec:decorative xmlns:adec="http://schemas.microsoft.com/office/drawing/2017/decorative" val="1"/>
+              </a:ext>
+            </a:extLst>
+          </p:cNvPr>
+          <p:cNvSpPr>
+            <a:spLocks noGrp="1" noRot="1" noChangeAspect="1" noMove="1" noResize="1" noEditPoints="1" noAdjustHandles="1" noChangeArrowheads="1" noChangeShapeType="1" noTextEdit="1"/>
+          </p:cNvSpPr>
+          <p:nvPr>
+            <p:extLst>
+              <p:ext uri="{386F3935-93C4-4BCD-93E2-E3B085C9AB24}">
+                <p16:designElem xmlns:p16="http://schemas.microsoft.com/office/powerpoint/2015/main" val="1"/>
+              </p:ext>
+            </p:extLst>
+          </p:nvPr>
+        </p:nvSpPr>
+        <p:spPr>
+          <a:xfrm>
+            <a:off x="355601" y="0"/>
+            <a:ext cx="11480494" cy="2753936"/>
+          </a:xfrm>
+          <a:prstGeom prst="rect">
+            <a:avLst/>
+          </a:prstGeom>
+          <a:gradFill>
+            <a:gsLst>
+              <a:gs pos="0">
+                <a:schemeClr val="accent4"/>
+              </a:gs>
+              <a:gs pos="25000">
+                <a:schemeClr val="accent4"/>
+              </a:gs>
+              <a:gs pos="94000">
+                <a:schemeClr val="accent2"/>
+              </a:gs>
+              <a:gs pos="100000">
+                <a:schemeClr val="accent2"/>
+              </a:gs>
+            </a:gsLst>
+            <a:lin ang="4200000" scaled="0"/>
+          </a:gradFill>
+          <a:ln>
+            <a:noFill/>
+          </a:ln>
+        </p:spPr>
+        <p:style>
+          <a:lnRef idx="2">
+            <a:schemeClr val="accent1">
+              <a:shade val="50000"/>
+            </a:schemeClr>
+          </a:lnRef>
+          <a:fillRef idx="1">
+            <a:schemeClr val="accent1"/>
+          </a:fillRef>
+          <a:effectRef idx="0">
+            <a:schemeClr val="accent1"/>
+          </a:effectRef>
+          <a:fontRef idx="minor">
+            <a:schemeClr val="lt1"/>
+          </a:fontRef>
+        </p:style>
+        <p:txBody>
+          <a:bodyPr rtlCol="0" anchor="ctr"/>
+          <a:lstStyle/>
+          <a:p>
+            <a:pPr algn="ctr"/>
+            <a:endParaRPr lang="en-US"/>
+          </a:p>
+        </p:txBody>
+      </p:sp>
+      <p:pic>
+        <p:nvPicPr>
+          <p:cNvPr id="19" name="Picture 18">
+            <a:extLst>
+              <a:ext uri="{FF2B5EF4-FFF2-40B4-BE49-F238E27FC236}">
+                <a16:creationId xmlns:a16="http://schemas.microsoft.com/office/drawing/2014/main" id="{3AA16612-ACD2-4A16-8F2B-4514FD6BF28F}"/>
+              </a:ext>
+              <a:ext uri="{C183D7F6-B498-43B3-948B-1728B52AA6E4}">
+                <adec:decorative xmlns:adec="http://schemas.microsoft.com/office/drawing/2017/decorative" val="1"/>
+              </a:ext>
+            </a:extLst>
+          </p:cNvPr>
+          <p:cNvPicPr>
+            <a:picLocks noGrp="1" noRot="1" noChangeAspect="1" noMove="1" noResize="1" noEditPoints="1" noAdjustHandles="1" noChangeArrowheads="1" noChangeShapeType="1" noCrop="1"/>
+          </p:cNvPicPr>
+          <p:nvPr>
+            <p:extLst>
+              <p:ext uri="{386F3935-93C4-4BCD-93E2-E3B085C9AB24}">
+                <p16:designElem xmlns:p16="http://schemas.microsoft.com/office/powerpoint/2015/main" val="1"/>
+              </p:ext>
+            </p:extLst>
+          </p:nvPr>
+        </p:nvPicPr>
+        <p:blipFill>
+          <a:blip r:embed="rId2">
+            <a:extLst>
+              <a:ext uri="{28A0092B-C50C-407E-A947-70E740481C1C}">
+                <a14:useLocalDpi xmlns:a14="http://schemas.microsoft.com/office/drawing/2010/main" val="0"/>
+              </a:ext>
+            </a:extLst>
+          </a:blip>
+          <a:stretch>
+            <a:fillRect/>
+          </a:stretch>
+        </p:blipFill>
+        <p:spPr>
+          <a:xfrm>
+            <a:off x="0" y="0"/>
+            <a:ext cx="12192000" cy="6858000"/>
+          </a:xfrm>
+          <a:prstGeom prst="rect">
+            <a:avLst/>
+          </a:prstGeom>
+        </p:spPr>
+      </p:pic>
+      <p:sp>
+        <p:nvSpPr>
+          <p:cNvPr id="2" name="Title 1">
+            <a:extLst>
+              <a:ext uri="{FF2B5EF4-FFF2-40B4-BE49-F238E27FC236}">
+                <a16:creationId xmlns:a16="http://schemas.microsoft.com/office/drawing/2014/main" id="{B00BE911-52DF-478A-A3E7-1A2B15B71354}"/>
+              </a:ext>
+            </a:extLst>
+          </p:cNvPr>
+          <p:cNvSpPr>
+            <a:spLocks noGrp="1"/>
+          </p:cNvSpPr>
+          <p:nvPr>
+            <p:ph type="title"/>
+          </p:nvPr>
+        </p:nvSpPr>
+        <p:spPr>
+          <a:xfrm>
+            <a:off x="1179226" y="826680"/>
+            <a:ext cx="9833548" cy="1325563"/>
+          </a:xfrm>
+        </p:spPr>
+        <p:txBody>
+          <a:bodyPr>
+            <a:normAutofit/>
+          </a:bodyPr>
+          <a:lstStyle/>
+          <a:p>
+            <a:pPr algn="ctr"/>
+            <a:r>
+              <a:rPr lang="en-IN" sz="4000" b="1" dirty="0">
+                <a:solidFill>
+                  <a:srgbClr val="FFFFFF"/>
+                </a:solidFill>
+              </a:rPr>
+              <a:t>Thank You</a:t>
+            </a:r>
+            <a:endParaRPr lang="en-IN" sz="4000" dirty="0">
+              <a:solidFill>
+                <a:srgbClr val="FFFFFF"/>
+              </a:solidFill>
+            </a:endParaRPr>
+          </a:p>
+        </p:txBody>
+      </p:sp>
+      <p:sp>
+        <p:nvSpPr>
+          <p:cNvPr id="3" name="Content Placeholder 2">
+            <a:extLst>
+              <a:ext uri="{FF2B5EF4-FFF2-40B4-BE49-F238E27FC236}">
+                <a16:creationId xmlns:a16="http://schemas.microsoft.com/office/drawing/2014/main" id="{ACC5968F-118D-42C1-B219-5FC970ED80A4}"/>
+              </a:ext>
+            </a:extLst>
+          </p:cNvPr>
+          <p:cNvSpPr>
+            <a:spLocks noGrp="1"/>
+          </p:cNvSpPr>
+          <p:nvPr>
+            <p:ph idx="1"/>
+          </p:nvPr>
+        </p:nvSpPr>
+        <p:spPr>
+          <a:xfrm>
+            <a:off x="1179226" y="3092970"/>
+            <a:ext cx="9833548" cy="2693976"/>
+          </a:xfrm>
+        </p:spPr>
+        <p:txBody>
+          <a:bodyPr>
+            <a:normAutofit/>
+          </a:bodyPr>
+          <a:lstStyle/>
+          <a:p>
+            <a:pPr marL="0" indent="0">
+              <a:buNone/>
+            </a:pPr>
+            <a:r>
+              <a:rPr lang="en-US" sz="2000" b="1" dirty="0">
+                <a:solidFill>
+                  <a:srgbClr val="000000"/>
+                </a:solidFill>
+                <a:hlinkClick r:id="rId3">
+                  <a:extLst>
+                    <a:ext uri="{A12FA001-AC4F-418D-AE19-62706E023703}">
+                      <ahyp:hlinkClr xmlns:ahyp="http://schemas.microsoft.com/office/drawing/2018/hyperlinkcolor" val="tx"/>
+                    </a:ext>
+                  </a:extLst>
+                </a:hlinkClick>
+              </a:rPr>
+              <a:t>ASHISH.GP10@GMAIL.COM</a:t>
+            </a:r>
+            <a:endParaRPr lang="en-US" sz="2000" b="1" dirty="0">
+              <a:solidFill>
+                <a:srgbClr val="000000"/>
+              </a:solidFill>
+            </a:endParaRPr>
+          </a:p>
+          <a:p>
+            <a:pPr marL="0" indent="0">
+              <a:buNone/>
+            </a:pPr>
+            <a:r>
+              <a:rPr lang="en-IN" sz="2000" b="1" dirty="0">
+                <a:solidFill>
+                  <a:srgbClr val="000000"/>
+                </a:solidFill>
+                <a:hlinkClick r:id="rId4">
+                  <a:extLst>
+                    <a:ext uri="{A12FA001-AC4F-418D-AE19-62706E023703}">
+                      <ahyp:hlinkClr xmlns:ahyp="http://schemas.microsoft.com/office/drawing/2018/hyperlinkcolor" val="tx"/>
+                    </a:ext>
+                  </a:extLst>
+                </a:hlinkClick>
+              </a:rPr>
+              <a:t>https://www.linkedin.com/in/ashish-gupta-405b1b47/</a:t>
+            </a:r>
+            <a:endParaRPr lang="en-IN" sz="2000" b="1" dirty="0">
+              <a:solidFill>
+                <a:srgbClr val="000000"/>
+              </a:solidFill>
+            </a:endParaRPr>
+          </a:p>
+          <a:p>
+            <a:pPr marL="0" indent="0">
+              <a:buNone/>
+            </a:pPr>
+            <a:r>
+              <a:rPr lang="en-IN" sz="2000" b="1" dirty="0">
+                <a:solidFill>
+                  <a:srgbClr val="000000"/>
+                </a:solidFill>
+              </a:rPr>
+              <a:t>7022450444	</a:t>
+            </a:r>
+            <a:endParaRPr lang="en-US" sz="2000" b="1" dirty="0">
+              <a:solidFill>
+                <a:srgbClr val="000000"/>
+              </a:solidFill>
+            </a:endParaRPr>
+          </a:p>
+        </p:txBody>
+      </p:sp>
+      <p:pic>
+        <p:nvPicPr>
+          <p:cNvPr id="6" name="Picture 5" descr="A person posing for the camera&#10;&#10;Description automatically generated">
+            <a:extLst>
+              <a:ext uri="{FF2B5EF4-FFF2-40B4-BE49-F238E27FC236}">
+                <a16:creationId xmlns:a16="http://schemas.microsoft.com/office/drawing/2014/main" id="{D886B3E7-1F51-4016-A3EF-043CC970D07A}"/>
+              </a:ext>
+            </a:extLst>
+          </p:cNvPr>
+          <p:cNvPicPr>
+            <a:picLocks noChangeAspect="1"/>
+          </p:cNvPicPr>
+          <p:nvPr/>
+        </p:nvPicPr>
+        <p:blipFill rotWithShape="1">
+          <a:blip r:embed="rId5">
+            <a:extLst>
+              <a:ext uri="{28A0092B-C50C-407E-A947-70E740481C1C}">
+                <a14:useLocalDpi xmlns:a14="http://schemas.microsoft.com/office/drawing/2010/main" val="0"/>
+              </a:ext>
+            </a:extLst>
+          </a:blip>
+          <a:srcRect l="4457" r="1" b="1"/>
+          <a:stretch/>
+        </p:blipFill>
+        <p:spPr>
+          <a:xfrm>
+            <a:off x="7226143" y="2522537"/>
+            <a:ext cx="3546632" cy="3712079"/>
+          </a:xfrm>
+          <a:prstGeom prst="ellipse">
+            <a:avLst/>
+          </a:prstGeom>
+          <a:ln w="63500" cap="rnd">
+            <a:solidFill>
+              <a:srgbClr val="333333"/>
+            </a:solidFill>
+          </a:ln>
+          <a:effectLst>
+            <a:outerShdw blurRad="381000" dist="292100" dir="5400000" sx="-80000" sy="-18000" rotWithShape="0">
+              <a:srgbClr val="000000">
+                <a:alpha val="22000"/>
+              </a:srgbClr>
+            </a:outerShdw>
+          </a:effectLst>
+          <a:scene3d>
+            <a:camera prst="orthographicFront"/>
+            <a:lightRig rig="contrasting" dir="t">
+              <a:rot lat="0" lon="0" rev="3000000"/>
+            </a:lightRig>
+          </a:scene3d>
+          <a:sp3d contourW="7620">
+            <a:bevelT w="95250" h="31750"/>
+            <a:contourClr>
+              <a:srgbClr val="333333"/>
+            </a:contourClr>
+          </a:sp3d>
+        </p:spPr>
+      </p:pic>
+    </p:spTree>
+    <p:extLst>
+      <p:ext uri="{BB962C8B-B14F-4D97-AF65-F5344CB8AC3E}">
+        <p14:creationId xmlns:p14="http://schemas.microsoft.com/office/powerpoint/2010/main" val="743529018"/>
+      </p:ext>
+    </p:extLst>
+  </p:cSld>
+  <p:clrMapOvr>
+    <a:masterClrMapping/>
+  </p:clrMapOvr>
+</p:sld>
+</file>
+
 <file path=ppt/theme/theme1.xml><?xml version="1.0" encoding="utf-8"?>
 <a:theme xmlns:a="http://schemas.openxmlformats.org/drawingml/2006/main" name="Office Theme">
   <a:themeElements>
